--- a/images/iso-cv-tutorial.pptx
+++ b/images/iso-cv-tutorial.pptx
@@ -9,6 +9,8 @@
     <p:sldId id="257" r:id="rId3"/>
     <p:sldId id="258" r:id="rId4"/>
     <p:sldId id="259" r:id="rId5"/>
+    <p:sldId id="260" r:id="rId6"/>
+    <p:sldId id="261" r:id="rId7"/>
   </p:sldIdLst>
   <p:sldSz cx="12192000" cy="6858000"/>
   <p:notesSz cx="6858000" cy="9144000"/>
@@ -3989,6 +3991,274 @@
 </p:sld>
 </file>
 
+<file path=ppt/slides/slide5.xml><?xml version="1.0" encoding="utf-8"?>
+<p:sld xmlns:a="http://schemas.openxmlformats.org/drawingml/2006/main" xmlns:r="http://schemas.openxmlformats.org/officeDocument/2006/relationships" xmlns:p="http://schemas.openxmlformats.org/presentationml/2006/main">
+  <p:cSld>
+    <p:spTree>
+      <p:nvGrpSpPr>
+        <p:cNvPr id="1" name=""/>
+        <p:cNvGrpSpPr/>
+        <p:nvPr/>
+      </p:nvGrpSpPr>
+      <p:grpSpPr>
+        <a:xfrm>
+          <a:off x="0" y="0"/>
+          <a:ext cx="0" cy="0"/>
+          <a:chOff x="0" y="0"/>
+          <a:chExt cx="0" cy="0"/>
+        </a:xfrm>
+      </p:grpSpPr>
+      <p:pic>
+        <p:nvPicPr>
+          <p:cNvPr id="4" name="Picture 3"/>
+          <p:cNvPicPr>
+            <a:picLocks noChangeAspect="1"/>
+          </p:cNvPicPr>
+          <p:nvPr/>
+        </p:nvPicPr>
+        <p:blipFill rotWithShape="1">
+          <a:blip r:embed="rId2"/>
+          <a:srcRect r="14769"/>
+          <a:stretch/>
+        </p:blipFill>
+        <p:spPr>
+          <a:xfrm>
+            <a:off x="5462955" y="393067"/>
+            <a:ext cx="5228491" cy="4997757"/>
+          </a:xfrm>
+          <a:prstGeom prst="rect">
+            <a:avLst/>
+          </a:prstGeom>
+        </p:spPr>
+      </p:pic>
+      <p:pic>
+        <p:nvPicPr>
+          <p:cNvPr id="5" name="Picture 4"/>
+          <p:cNvPicPr>
+            <a:picLocks noChangeAspect="1"/>
+          </p:cNvPicPr>
+          <p:nvPr/>
+        </p:nvPicPr>
+        <p:blipFill>
+          <a:blip r:embed="rId3" cstate="print">
+            <a:extLst>
+              <a:ext uri="{28A0092B-C50C-407E-A947-70E740481C1C}">
+                <a14:useLocalDpi xmlns:a14="http://schemas.microsoft.com/office/drawing/2010/main" val="0"/>
+              </a:ext>
+            </a:extLst>
+          </a:blip>
+          <a:stretch>
+            <a:fillRect/>
+          </a:stretch>
+        </p:blipFill>
+        <p:spPr>
+          <a:xfrm>
+            <a:off x="142630" y="393067"/>
+            <a:ext cx="4997757" cy="4997757"/>
+          </a:xfrm>
+          <a:prstGeom prst="rect">
+            <a:avLst/>
+          </a:prstGeom>
+        </p:spPr>
+      </p:pic>
+      <p:cxnSp>
+        <p:nvCxnSpPr>
+          <p:cNvPr id="9" name="Straight Arrow Connector 8"/>
+          <p:cNvCxnSpPr/>
+          <p:nvPr/>
+        </p:nvCxnSpPr>
+        <p:spPr>
+          <a:xfrm flipV="1">
+            <a:off x="5140387" y="758092"/>
+            <a:ext cx="322568" cy="3821725"/>
+          </a:xfrm>
+          <a:prstGeom prst="straightConnector1">
+            <a:avLst/>
+          </a:prstGeom>
+          <a:ln w="57150">
+            <a:solidFill>
+              <a:srgbClr val="FF0000"/>
+            </a:solidFill>
+            <a:tailEnd type="triangle"/>
+          </a:ln>
+        </p:spPr>
+        <p:style>
+          <a:lnRef idx="1">
+            <a:schemeClr val="accent1"/>
+          </a:lnRef>
+          <a:fillRef idx="0">
+            <a:schemeClr val="accent1"/>
+          </a:fillRef>
+          <a:effectRef idx="0">
+            <a:schemeClr val="accent1"/>
+          </a:effectRef>
+          <a:fontRef idx="minor">
+            <a:schemeClr val="tx1"/>
+          </a:fontRef>
+        </p:style>
+      </p:cxnSp>
+    </p:spTree>
+    <p:extLst>
+      <p:ext uri="{BB962C8B-B14F-4D97-AF65-F5344CB8AC3E}">
+        <p14:creationId xmlns:p14="http://schemas.microsoft.com/office/powerpoint/2010/main" val="2381921377"/>
+      </p:ext>
+    </p:extLst>
+  </p:cSld>
+  <p:clrMapOvr>
+    <a:masterClrMapping/>
+  </p:clrMapOvr>
+  <p:timing>
+    <p:tnLst>
+      <p:par>
+        <p:cTn id="1" dur="indefinite" restart="never" nodeType="tmRoot"/>
+      </p:par>
+    </p:tnLst>
+  </p:timing>
+</p:sld>
+</file>
+
+<file path=ppt/slides/slide6.xml><?xml version="1.0" encoding="utf-8"?>
+<p:sld xmlns:a="http://schemas.openxmlformats.org/drawingml/2006/main" xmlns:r="http://schemas.openxmlformats.org/officeDocument/2006/relationships" xmlns:p="http://schemas.openxmlformats.org/presentationml/2006/main">
+  <p:cSld>
+    <p:spTree>
+      <p:nvGrpSpPr>
+        <p:cNvPr id="1" name=""/>
+        <p:cNvGrpSpPr/>
+        <p:nvPr/>
+      </p:nvGrpSpPr>
+      <p:grpSpPr>
+        <a:xfrm>
+          <a:off x="0" y="0"/>
+          <a:ext cx="0" cy="0"/>
+          <a:chOff x="0" y="0"/>
+          <a:chExt cx="0" cy="0"/>
+        </a:xfrm>
+      </p:grpSpPr>
+      <p:pic>
+        <p:nvPicPr>
+          <p:cNvPr id="2" name="Picture 1"/>
+          <p:cNvPicPr>
+            <a:picLocks noChangeAspect="1"/>
+          </p:cNvPicPr>
+          <p:nvPr/>
+        </p:nvPicPr>
+        <p:blipFill>
+          <a:blip r:embed="rId2" cstate="print">
+            <a:extLst>
+              <a:ext uri="{28A0092B-C50C-407E-A947-70E740481C1C}">
+                <a14:useLocalDpi xmlns:a14="http://schemas.microsoft.com/office/drawing/2010/main" val="0"/>
+              </a:ext>
+            </a:extLst>
+          </a:blip>
+          <a:stretch>
+            <a:fillRect/>
+          </a:stretch>
+        </p:blipFill>
+        <p:spPr>
+          <a:xfrm rot="10800000">
+            <a:off x="7040879" y="2317750"/>
+            <a:ext cx="2019300" cy="1346200"/>
+          </a:xfrm>
+          <a:prstGeom prst="rect">
+            <a:avLst/>
+          </a:prstGeom>
+          <a:ln>
+            <a:solidFill>
+              <a:schemeClr val="tx1"/>
+            </a:solidFill>
+          </a:ln>
+        </p:spPr>
+      </p:pic>
+      <p:pic>
+        <p:nvPicPr>
+          <p:cNvPr id="3" name="Picture 2"/>
+          <p:cNvPicPr>
+            <a:picLocks noChangeAspect="1"/>
+          </p:cNvPicPr>
+          <p:nvPr/>
+        </p:nvPicPr>
+        <p:blipFill>
+          <a:blip r:embed="rId3" cstate="print">
+            <a:extLst>
+              <a:ext uri="{28A0092B-C50C-407E-A947-70E740481C1C}">
+                <a14:useLocalDpi xmlns:a14="http://schemas.microsoft.com/office/drawing/2010/main" val="0"/>
+              </a:ext>
+            </a:extLst>
+          </a:blip>
+          <a:stretch>
+            <a:fillRect/>
+          </a:stretch>
+        </p:blipFill>
+        <p:spPr>
+          <a:xfrm rot="10800000">
+            <a:off x="4922520" y="2317750"/>
+            <a:ext cx="2019300" cy="1346200"/>
+          </a:xfrm>
+          <a:prstGeom prst="rect">
+            <a:avLst/>
+          </a:prstGeom>
+          <a:ln>
+            <a:solidFill>
+              <a:schemeClr val="tx1"/>
+            </a:solidFill>
+          </a:ln>
+        </p:spPr>
+      </p:pic>
+      <p:pic>
+        <p:nvPicPr>
+          <p:cNvPr id="6" name="Picture 5"/>
+          <p:cNvPicPr>
+            <a:picLocks noChangeAspect="1"/>
+          </p:cNvPicPr>
+          <p:nvPr/>
+        </p:nvPicPr>
+        <p:blipFill>
+          <a:blip r:embed="rId4" cstate="print">
+            <a:extLst>
+              <a:ext uri="{28A0092B-C50C-407E-A947-70E740481C1C}">
+                <a14:useLocalDpi xmlns:a14="http://schemas.microsoft.com/office/drawing/2010/main" val="0"/>
+              </a:ext>
+            </a:extLst>
+          </a:blip>
+          <a:stretch>
+            <a:fillRect/>
+          </a:stretch>
+        </p:blipFill>
+        <p:spPr>
+          <a:xfrm rot="10800000">
+            <a:off x="2804160" y="2317750"/>
+            <a:ext cx="2019300" cy="1346200"/>
+          </a:xfrm>
+          <a:prstGeom prst="rect">
+            <a:avLst/>
+          </a:prstGeom>
+          <a:ln>
+            <a:solidFill>
+              <a:schemeClr val="tx1"/>
+            </a:solidFill>
+          </a:ln>
+        </p:spPr>
+      </p:pic>
+    </p:spTree>
+    <p:extLst>
+      <p:ext uri="{BB962C8B-B14F-4D97-AF65-F5344CB8AC3E}">
+        <p14:creationId xmlns:p14="http://schemas.microsoft.com/office/powerpoint/2010/main" val="275154588"/>
+      </p:ext>
+    </p:extLst>
+  </p:cSld>
+  <p:clrMapOvr>
+    <a:masterClrMapping/>
+  </p:clrMapOvr>
+  <p:timing>
+    <p:tnLst>
+      <p:par>
+        <p:cTn id="1" dur="indefinite" restart="never" nodeType="tmRoot"/>
+      </p:par>
+    </p:tnLst>
+  </p:timing>
+</p:sld>
+</file>
+
 <file path=ppt/theme/theme1.xml><?xml version="1.0" encoding="utf-8"?>
 <a:theme xmlns:a="http://schemas.openxmlformats.org/drawingml/2006/main" name="Office Theme">
   <a:themeElements>
